--- a/pertemuan_6/Pertemuan_6.pptx
+++ b/pertemuan_6/Pertemuan_6.pptx
@@ -3760,7 +3760,7 @@
                   <a:srgbClr val="FF0000"/>
                 </a:solidFill>
               </a:rPr>
-              <a:t>http://localhost:5000 /register </a:t>
+              <a:t>http://localhost:5000/register </a:t>
             </a:r>
             <a:endParaRPr lang="en-US" sz="2000">
               <a:solidFill>
@@ -15168,7 +15168,7 @@
             </a:r>
             <a:r>
               <a:rPr lang="en-US" sz="2400">
-                <a:hlinkClick r:id="rId1" tooltip="" action="ppaction://hlinkfile"/>
+                <a:hlinkClick r:id="rId1" action="ppaction://hlinkfile"/>
               </a:rPr>
               <a:t>Wikipedia</a:t>
             </a:r>
